--- a/midterm.pptx
+++ b/midterm.pptx
@@ -12,9 +12,10 @@
     <p:sldId id="260" r:id="rId6"/>
     <p:sldId id="261" r:id="rId7"/>
     <p:sldId id="263" r:id="rId8"/>
-    <p:sldId id="264" r:id="rId9"/>
-    <p:sldId id="265" r:id="rId10"/>
-    <p:sldId id="266" r:id="rId11"/>
+    <p:sldId id="267" r:id="rId9"/>
+    <p:sldId id="264" r:id="rId10"/>
+    <p:sldId id="265" r:id="rId11"/>
+    <p:sldId id="266" r:id="rId12"/>
   </p:sldIdLst>
   <p:sldSz cx="9144000" cy="6858000" type="screen4x3"/>
   <p:notesSz cx="6858000" cy="9144000"/>
@@ -3193,6 +3194,103 @@
           <a:chExt cx="0" cy="0"/>
         </a:xfrm>
       </p:grpSpPr>
+      <p:pic>
+        <p:nvPicPr>
+          <p:cNvPr id="6" name="Picture 5" descr="plot1.png"/>
+          <p:cNvPicPr>
+            <a:picLocks noChangeAspect="1"/>
+          </p:cNvPicPr>
+          <p:nvPr/>
+        </p:nvPicPr>
+        <p:blipFill>
+          <a:blip r:embed="rId2">
+            <a:extLst>
+              <a:ext uri="{28A0092B-C50C-407E-A947-70E740481C1C}">
+                <a14:useLocalDpi xmlns:a14="http://schemas.microsoft.com/office/drawing/2010/main" val="0"/>
+              </a:ext>
+            </a:extLst>
+          </a:blip>
+          <a:stretch>
+            <a:fillRect/>
+          </a:stretch>
+        </p:blipFill>
+        <p:spPr>
+          <a:xfrm>
+            <a:off x="317471" y="0"/>
+            <a:ext cx="8371209" cy="3654914"/>
+          </a:xfrm>
+          <a:prstGeom prst="rect">
+            <a:avLst/>
+          </a:prstGeom>
+        </p:spPr>
+      </p:pic>
+      <p:pic>
+        <p:nvPicPr>
+          <p:cNvPr id="7" name="Picture 6" descr="plot2.png"/>
+          <p:cNvPicPr>
+            <a:picLocks noChangeAspect="1"/>
+          </p:cNvPicPr>
+          <p:nvPr/>
+        </p:nvPicPr>
+        <p:blipFill>
+          <a:blip r:embed="rId3">
+            <a:extLst>
+              <a:ext uri="{28A0092B-C50C-407E-A947-70E740481C1C}">
+                <a14:useLocalDpi xmlns:a14="http://schemas.microsoft.com/office/drawing/2010/main" val="0"/>
+              </a:ext>
+            </a:extLst>
+          </a:blip>
+          <a:stretch>
+            <a:fillRect/>
+          </a:stretch>
+        </p:blipFill>
+        <p:spPr>
+          <a:xfrm>
+            <a:off x="1924256" y="3572024"/>
+            <a:ext cx="4909725" cy="3285976"/>
+          </a:xfrm>
+          <a:prstGeom prst="rect">
+            <a:avLst/>
+          </a:prstGeom>
+        </p:spPr>
+      </p:pic>
+    </p:spTree>
+    <p:extLst>
+      <p:ext uri="{BB962C8B-B14F-4D97-AF65-F5344CB8AC3E}">
+        <p14:creationId xmlns:p14="http://schemas.microsoft.com/office/powerpoint/2010/main" val="3711995252"/>
+      </p:ext>
+    </p:extLst>
+  </p:cSld>
+  <p:clrMapOvr>
+    <a:masterClrMapping/>
+  </p:clrMapOvr>
+  <p:timing>
+    <p:tnLst>
+      <p:par>
+        <p:cTn xmlns:p14="http://schemas.microsoft.com/office/powerpoint/2010/main" id="1" dur="indefinite" restart="never" nodeType="tmRoot"/>
+      </p:par>
+    </p:tnLst>
+  </p:timing>
+</p:sld>
+</file>
+
+<file path=ppt/slides/slide11.xml><?xml version="1.0" encoding="utf-8"?>
+<p:sld xmlns:a="http://schemas.openxmlformats.org/drawingml/2006/main" xmlns:r="http://schemas.openxmlformats.org/officeDocument/2006/relationships" xmlns:p="http://schemas.openxmlformats.org/presentationml/2006/main">
+  <p:cSld>
+    <p:spTree>
+      <p:nvGrpSpPr>
+        <p:cNvPr id="1" name=""/>
+        <p:cNvGrpSpPr/>
+        <p:nvPr/>
+      </p:nvGrpSpPr>
+      <p:grpSpPr>
+        <a:xfrm>
+          <a:off x="0" y="0"/>
+          <a:ext cx="0" cy="0"/>
+          <a:chOff x="0" y="0"/>
+          <a:chExt cx="0" cy="0"/>
+        </a:xfrm>
+      </p:grpSpPr>
       <p:sp>
         <p:nvSpPr>
           <p:cNvPr id="2" name="Title 1"/>
@@ -3838,6 +3936,29 @@
       </p:grpSpPr>
       <p:sp>
         <p:nvSpPr>
+          <p:cNvPr id="2" name="Title 1"/>
+          <p:cNvSpPr>
+            <a:spLocks noGrp="1"/>
+          </p:cNvSpPr>
+          <p:nvPr>
+            <p:ph type="title"/>
+          </p:nvPr>
+        </p:nvSpPr>
+        <p:spPr/>
+        <p:txBody>
+          <a:bodyPr/>
+          <a:lstStyle/>
+          <a:p>
+            <a:r>
+              <a:rPr lang="en-US" dirty="0" smtClean="0"/>
+              <a:t>Working Theories</a:t>
+            </a:r>
+            <a:endParaRPr lang="en-US" dirty="0"/>
+          </a:p>
+        </p:txBody>
+      </p:sp>
+      <p:sp>
+        <p:nvSpPr>
           <p:cNvPr id="3" name="Content Placeholder 2"/>
           <p:cNvSpPr>
             <a:spLocks noGrp="1"/>
@@ -3846,90 +3967,41 @@
             <p:ph idx="1"/>
           </p:nvPr>
         </p:nvSpPr>
-        <p:spPr>
-          <a:xfrm>
-            <a:off x="0" y="62738"/>
-            <a:ext cx="9144000" cy="6795262"/>
-          </a:xfrm>
-        </p:spPr>
+        <p:spPr/>
         <p:txBody>
           <a:bodyPr/>
           <a:lstStyle/>
           <a:p>
             <a:r>
               <a:rPr lang="en-US" dirty="0" smtClean="0"/>
-              <a:t>Created a data set containing registered users on </a:t>
-            </a:r>
-            <a:r>
-              <a:rPr lang="en-US" dirty="0" err="1" smtClean="0"/>
-              <a:t>WeddingWire</a:t>
-            </a:r>
+              <a:t>Community Forums is an indication that a user is a commenter or creator.</a:t>
+            </a:r>
+          </a:p>
+          <a:p>
             <a:r>
               <a:rPr lang="en-US" dirty="0" smtClean="0"/>
-              <a:t>.</a:t>
+              <a:t>Storefront Visits = user has interacted with reviews on the site.</a:t>
             </a:r>
           </a:p>
           <a:p>
             <a:r>
               <a:rPr lang="en-US" dirty="0" smtClean="0"/>
-              <a:t>Data included important user data, such as signup date, wedding date as well as </a:t>
-            </a:r>
-            <a:r>
-              <a:rPr lang="en-US" dirty="0" err="1" smtClean="0"/>
-              <a:t>behavorial</a:t>
-            </a:r>
-            <a:r>
-              <a:rPr lang="en-US" dirty="0" smtClean="0"/>
-              <a:t> data regarding usage of different features.</a:t>
-            </a:r>
-          </a:p>
-          <a:p>
-            <a:r>
-              <a:rPr lang="en-US" dirty="0" smtClean="0"/>
-              <a:t>Cleaned data to remove potential anomalies and fidelity issues around tracking. </a:t>
+              <a:t>Checklist Tasks = user is willing to follow our recommendations.</a:t>
             </a:r>
             <a:endParaRPr lang="en-US" dirty="0"/>
-          </a:p>
-          <a:p>
-            <a:pPr lvl="1"/>
-            <a:r>
-              <a:rPr lang="en-US" dirty="0" smtClean="0"/>
-              <a:t>Removed users that joined less than 6 months before their wedding date</a:t>
-            </a:r>
-          </a:p>
-          <a:p>
-            <a:pPr lvl="1"/>
-            <a:r>
-              <a:rPr lang="en-US" dirty="0" smtClean="0"/>
-              <a:t>Removed users that have not yet had their wedding.</a:t>
-            </a:r>
-            <a:endParaRPr lang="en-US" dirty="0"/>
-          </a:p>
-          <a:p>
-            <a:r>
-              <a:rPr lang="en-US" dirty="0" smtClean="0"/>
-              <a:t>55,000 users remaining in data set</a:t>
-            </a:r>
           </a:p>
         </p:txBody>
       </p:sp>
     </p:spTree>
     <p:extLst>
       <p:ext uri="{BB962C8B-B14F-4D97-AF65-F5344CB8AC3E}">
-        <p14:creationId xmlns:p14="http://schemas.microsoft.com/office/powerpoint/2010/main" val="693986787"/>
+        <p14:creationId xmlns:p14="http://schemas.microsoft.com/office/powerpoint/2010/main" val="454756356"/>
       </p:ext>
     </p:extLst>
   </p:cSld>
   <p:clrMapOvr>
     <a:masterClrMapping/>
   </p:clrMapOvr>
-  <p:timing>
-    <p:tnLst>
-      <p:par>
-        <p:cTn xmlns:p14="http://schemas.microsoft.com/office/powerpoint/2010/main" id="1" dur="indefinite" restart="never" nodeType="tmRoot"/>
-      </p:par>
-    </p:tnLst>
-  </p:timing>
 </p:sld>
 </file>
 
@@ -3950,70 +4022,92 @@
           <a:chExt cx="0" cy="0"/>
         </a:xfrm>
       </p:grpSpPr>
-      <p:pic>
-        <p:nvPicPr>
-          <p:cNvPr id="6" name="Picture 5" descr="plot1.png"/>
-          <p:cNvPicPr>
-            <a:picLocks noChangeAspect="1"/>
-          </p:cNvPicPr>
-          <p:nvPr/>
-        </p:nvPicPr>
-        <p:blipFill>
-          <a:blip r:embed="rId2">
-            <a:extLst>
-              <a:ext uri="{28A0092B-C50C-407E-A947-70E740481C1C}">
-                <a14:useLocalDpi xmlns:a14="http://schemas.microsoft.com/office/drawing/2010/main" val="0"/>
-              </a:ext>
-            </a:extLst>
-          </a:blip>
-          <a:stretch>
-            <a:fillRect/>
-          </a:stretch>
-        </p:blipFill>
+      <p:sp>
+        <p:nvSpPr>
+          <p:cNvPr id="3" name="Content Placeholder 2"/>
+          <p:cNvSpPr>
+            <a:spLocks noGrp="1"/>
+          </p:cNvSpPr>
+          <p:nvPr>
+            <p:ph idx="1"/>
+          </p:nvPr>
+        </p:nvSpPr>
         <p:spPr>
           <a:xfrm>
-            <a:off x="317471" y="0"/>
-            <a:ext cx="8371209" cy="3654914"/>
+            <a:off x="0" y="62738"/>
+            <a:ext cx="9144000" cy="6795262"/>
           </a:xfrm>
-          <a:prstGeom prst="rect">
-            <a:avLst/>
-          </a:prstGeom>
         </p:spPr>
-      </p:pic>
-      <p:pic>
-        <p:nvPicPr>
-          <p:cNvPr id="7" name="Picture 6" descr="plot2.png"/>
-          <p:cNvPicPr>
-            <a:picLocks noChangeAspect="1"/>
-          </p:cNvPicPr>
-          <p:nvPr/>
-        </p:nvPicPr>
-        <p:blipFill>
-          <a:blip r:embed="rId3">
-            <a:extLst>
-              <a:ext uri="{28A0092B-C50C-407E-A947-70E740481C1C}">
-                <a14:useLocalDpi xmlns:a14="http://schemas.microsoft.com/office/drawing/2010/main" val="0"/>
-              </a:ext>
-            </a:extLst>
-          </a:blip>
-          <a:stretch>
-            <a:fillRect/>
-          </a:stretch>
-        </p:blipFill>
-        <p:spPr>
-          <a:xfrm>
-            <a:off x="1924256" y="3572024"/>
-            <a:ext cx="4909725" cy="3285976"/>
-          </a:xfrm>
-          <a:prstGeom prst="rect">
-            <a:avLst/>
-          </a:prstGeom>
-        </p:spPr>
-      </p:pic>
+        <p:txBody>
+          <a:bodyPr/>
+          <a:lstStyle/>
+          <a:p>
+            <a:r>
+              <a:rPr lang="en-US" dirty="0" smtClean="0"/>
+              <a:t>Created a data set containing registered users on </a:t>
+            </a:r>
+            <a:r>
+              <a:rPr lang="en-US" dirty="0" err="1" smtClean="0"/>
+              <a:t>WeddingWire</a:t>
+            </a:r>
+            <a:r>
+              <a:rPr lang="en-US" dirty="0" smtClean="0"/>
+              <a:t>.</a:t>
+            </a:r>
+          </a:p>
+          <a:p>
+            <a:r>
+              <a:rPr lang="en-US" dirty="0" smtClean="0"/>
+              <a:t>Data included important user data, such as signup date, wedding date as well as </a:t>
+            </a:r>
+            <a:r>
+              <a:rPr lang="en-US" dirty="0" err="1" smtClean="0"/>
+              <a:t>behavorial</a:t>
+            </a:r>
+            <a:r>
+              <a:rPr lang="en-US" dirty="0" smtClean="0"/>
+              <a:t> data regarding usage of </a:t>
+            </a:r>
+            <a:r>
+              <a:rPr lang="en-US" smtClean="0"/>
+              <a:t>different features.</a:t>
+            </a:r>
+            <a:endParaRPr lang="en-US" dirty="0" smtClean="0"/>
+          </a:p>
+          <a:p>
+            <a:r>
+              <a:rPr lang="en-US" dirty="0" smtClean="0"/>
+              <a:t>Cleaned data to remove potential anomalies and fidelity issues around tracking. </a:t>
+            </a:r>
+            <a:endParaRPr lang="en-US" dirty="0"/>
+          </a:p>
+          <a:p>
+            <a:pPr lvl="1"/>
+            <a:r>
+              <a:rPr lang="en-US" dirty="0" smtClean="0"/>
+              <a:t>Removed users that joined less than 6 months before their wedding date</a:t>
+            </a:r>
+          </a:p>
+          <a:p>
+            <a:pPr lvl="1"/>
+            <a:r>
+              <a:rPr lang="en-US" dirty="0" smtClean="0"/>
+              <a:t>Removed users that have not yet had their wedding.</a:t>
+            </a:r>
+            <a:endParaRPr lang="en-US" dirty="0"/>
+          </a:p>
+          <a:p>
+            <a:r>
+              <a:rPr lang="en-US" dirty="0" smtClean="0"/>
+              <a:t>55,000 users remaining in data set</a:t>
+            </a:r>
+          </a:p>
+        </p:txBody>
+      </p:sp>
     </p:spTree>
     <p:extLst>
       <p:ext uri="{BB962C8B-B14F-4D97-AF65-F5344CB8AC3E}">
-        <p14:creationId xmlns:p14="http://schemas.microsoft.com/office/powerpoint/2010/main" val="3711995252"/>
+        <p14:creationId xmlns:p14="http://schemas.microsoft.com/office/powerpoint/2010/main" val="693986787"/>
       </p:ext>
     </p:extLst>
   </p:cSld>
